--- a/How can you predict a book's popularity based.pptx
+++ b/How can you predict a book's popularity based.pptx
@@ -176,7 +176,7 @@
           <a:noFill/>
           <a:extLst>
             <a:ext uri="{909E8E84-426E-40dd-AFC4-6F175D3DCCD1}">
-              <a14:hiddenFill xmlns:a14="http://schemas.microsoft.com/office/drawing/2010/main" xmlns="">
+              <a14:hiddenFill xmlns="" xmlns:a14="http://schemas.microsoft.com/office/drawing/2010/main">
                 <a:solidFill>
                   <a:srgbClr val="FFFFFF"/>
                 </a:solidFill>
@@ -236,7 +236,7 @@
             </a:ln>
             <a:extLst>
               <a:ext uri="{91240B29-F687-4f45-9708-019B960494DF}">
-                <a14:hiddenLine xmlns:a14="http://schemas.microsoft.com/office/drawing/2010/main" xmlns="" w="9525">
+                <a14:hiddenLine xmlns="" xmlns:a14="http://schemas.microsoft.com/office/drawing/2010/main" w="9525">
                   <a:solidFill>
                     <a:srgbClr val="000000"/>
                   </a:solidFill>
@@ -326,7 +326,7 @@
             </a:ln>
             <a:extLst>
               <a:ext uri="{91240B29-F687-4f45-9708-019B960494DF}">
-                <a14:hiddenLine xmlns:a14="http://schemas.microsoft.com/office/drawing/2010/main" xmlns="" w="9525">
+                <a14:hiddenLine xmlns="" xmlns:a14="http://schemas.microsoft.com/office/drawing/2010/main" w="9525">
                   <a:solidFill>
                     <a:srgbClr val="000000"/>
                   </a:solidFill>
@@ -416,7 +416,7 @@
             </a:ln>
             <a:extLst>
               <a:ext uri="{91240B29-F687-4f45-9708-019B960494DF}">
-                <a14:hiddenLine xmlns:a14="http://schemas.microsoft.com/office/drawing/2010/main" xmlns="" w="9525">
+                <a14:hiddenLine xmlns="" xmlns:a14="http://schemas.microsoft.com/office/drawing/2010/main" w="9525">
                   <a:solidFill>
                     <a:srgbClr val="000000"/>
                   </a:solidFill>
@@ -450,7 +450,7 @@
             </a:ln>
             <a:extLst>
               <a:ext uri="{91240B29-F687-4f45-9708-019B960494DF}">
-                <a14:hiddenLine xmlns:a14="http://schemas.microsoft.com/office/drawing/2010/main" xmlns="" w="9525">
+                <a14:hiddenLine xmlns="" xmlns:a14="http://schemas.microsoft.com/office/drawing/2010/main" w="9525">
                   <a:solidFill>
                     <a:srgbClr val="000000"/>
                   </a:solidFill>
@@ -540,7 +540,7 @@
             </a:ln>
             <a:extLst>
               <a:ext uri="{91240B29-F687-4f45-9708-019B960494DF}">
-                <a14:hiddenLine xmlns:a14="http://schemas.microsoft.com/office/drawing/2010/main" xmlns="" w="9525">
+                <a14:hiddenLine xmlns="" xmlns:a14="http://schemas.microsoft.com/office/drawing/2010/main" w="9525">
                   <a:solidFill>
                     <a:srgbClr val="000000"/>
                   </a:solidFill>
@@ -602,7 +602,7 @@
             </a:ln>
             <a:extLst>
               <a:ext uri="{91240B29-F687-4f45-9708-019B960494DF}">
-                <a14:hiddenLine xmlns:a14="http://schemas.microsoft.com/office/drawing/2010/main" xmlns="" w="9525">
+                <a14:hiddenLine xmlns="" xmlns:a14="http://schemas.microsoft.com/office/drawing/2010/main" w="9525">
                   <a:solidFill>
                     <a:srgbClr val="000000"/>
                   </a:solidFill>
@@ -664,7 +664,7 @@
             </a:ln>
             <a:extLst>
               <a:ext uri="{91240B29-F687-4f45-9708-019B960494DF}">
-                <a14:hiddenLine xmlns:a14="http://schemas.microsoft.com/office/drawing/2010/main" xmlns="" w="9525">
+                <a14:hiddenLine xmlns="" xmlns:a14="http://schemas.microsoft.com/office/drawing/2010/main" w="9525">
                   <a:solidFill>
                     <a:srgbClr val="000000"/>
                   </a:solidFill>
@@ -754,7 +754,7 @@
             </a:ln>
             <a:extLst>
               <a:ext uri="{91240B29-F687-4f45-9708-019B960494DF}">
-                <a14:hiddenLine xmlns:a14="http://schemas.microsoft.com/office/drawing/2010/main" xmlns="" w="9525">
+                <a14:hiddenLine xmlns="" xmlns:a14="http://schemas.microsoft.com/office/drawing/2010/main" w="9525">
                   <a:solidFill>
                     <a:srgbClr val="000000"/>
                   </a:solidFill>
@@ -816,7 +816,7 @@
             </a:ln>
             <a:extLst>
               <a:ext uri="{91240B29-F687-4f45-9708-019B960494DF}">
-                <a14:hiddenLine xmlns:a14="http://schemas.microsoft.com/office/drawing/2010/main" xmlns="" w="9525">
+                <a14:hiddenLine xmlns="" xmlns:a14="http://schemas.microsoft.com/office/drawing/2010/main" w="9525">
                   <a:solidFill>
                     <a:srgbClr val="000000"/>
                   </a:solidFill>
@@ -878,7 +878,7 @@
             </a:ln>
             <a:extLst>
               <a:ext uri="{91240B29-F687-4f45-9708-019B960494DF}">
-                <a14:hiddenLine xmlns:a14="http://schemas.microsoft.com/office/drawing/2010/main" xmlns="" w="9525">
+                <a14:hiddenLine xmlns="" xmlns:a14="http://schemas.microsoft.com/office/drawing/2010/main" w="9525">
                   <a:solidFill>
                     <a:srgbClr val="000000"/>
                   </a:solidFill>
@@ -968,7 +968,7 @@
             </a:ln>
             <a:extLst>
               <a:ext uri="{91240B29-F687-4f45-9708-019B960494DF}">
-                <a14:hiddenLine xmlns:a14="http://schemas.microsoft.com/office/drawing/2010/main" xmlns="" w="9525">
+                <a14:hiddenLine xmlns="" xmlns:a14="http://schemas.microsoft.com/office/drawing/2010/main" w="9525">
                   <a:solidFill>
                     <a:srgbClr val="000000"/>
                   </a:solidFill>
@@ -1058,7 +1058,7 @@
             </a:ln>
             <a:extLst>
               <a:ext uri="{91240B29-F687-4f45-9708-019B960494DF}">
-                <a14:hiddenLine xmlns:a14="http://schemas.microsoft.com/office/drawing/2010/main" xmlns="" w="9525">
+                <a14:hiddenLine xmlns="" xmlns:a14="http://schemas.microsoft.com/office/drawing/2010/main" w="9525">
                   <a:solidFill>
                     <a:srgbClr val="000000"/>
                   </a:solidFill>
@@ -1120,7 +1120,7 @@
             </a:ln>
             <a:extLst>
               <a:ext uri="{91240B29-F687-4f45-9708-019B960494DF}">
-                <a14:hiddenLine xmlns:a14="http://schemas.microsoft.com/office/drawing/2010/main" xmlns="" w="9525">
+                <a14:hiddenLine xmlns="" xmlns:a14="http://schemas.microsoft.com/office/drawing/2010/main" w="9525">
                   <a:solidFill>
                     <a:srgbClr val="000000"/>
                   </a:solidFill>
@@ -1230,7 +1230,7 @@
             </a:ln>
             <a:extLst>
               <a:ext uri="{91240B29-F687-4f45-9708-019B960494DF}">
-                <a14:hiddenLine xmlns:a14="http://schemas.microsoft.com/office/drawing/2010/main" xmlns="" w="9525">
+                <a14:hiddenLine xmlns="" xmlns:a14="http://schemas.microsoft.com/office/drawing/2010/main" w="9525">
                   <a:solidFill>
                     <a:srgbClr val="000000"/>
                   </a:solidFill>
@@ -1292,7 +1292,7 @@
             </a:ln>
             <a:extLst>
               <a:ext uri="{91240B29-F687-4f45-9708-019B960494DF}">
-                <a14:hiddenLine xmlns:a14="http://schemas.microsoft.com/office/drawing/2010/main" xmlns="" w="9525">
+                <a14:hiddenLine xmlns="" xmlns:a14="http://schemas.microsoft.com/office/drawing/2010/main" w="9525">
                   <a:solidFill>
                     <a:srgbClr val="000000"/>
                   </a:solidFill>
@@ -1382,7 +1382,7 @@
             </a:ln>
             <a:extLst>
               <a:ext uri="{91240B29-F687-4f45-9708-019B960494DF}">
-                <a14:hiddenLine xmlns:a14="http://schemas.microsoft.com/office/drawing/2010/main" xmlns="" w="9525">
+                <a14:hiddenLine xmlns="" xmlns:a14="http://schemas.microsoft.com/office/drawing/2010/main" w="9525">
                   <a:solidFill>
                     <a:srgbClr val="000000"/>
                   </a:solidFill>
@@ -1472,7 +1472,7 @@
             </a:ln>
             <a:extLst>
               <a:ext uri="{91240B29-F687-4f45-9708-019B960494DF}">
-                <a14:hiddenLine xmlns:a14="http://schemas.microsoft.com/office/drawing/2010/main" xmlns="" w="9525">
+                <a14:hiddenLine xmlns="" xmlns:a14="http://schemas.microsoft.com/office/drawing/2010/main" w="9525">
                   <a:solidFill>
                     <a:srgbClr val="000000"/>
                   </a:solidFill>
@@ -1534,7 +1534,7 @@
             </a:ln>
             <a:extLst>
               <a:ext uri="{91240B29-F687-4f45-9708-019B960494DF}">
-                <a14:hiddenLine xmlns:a14="http://schemas.microsoft.com/office/drawing/2010/main" xmlns="" w="9525">
+                <a14:hiddenLine xmlns="" xmlns:a14="http://schemas.microsoft.com/office/drawing/2010/main" w="9525">
                   <a:solidFill>
                     <a:srgbClr val="000000"/>
                   </a:solidFill>
@@ -1624,7 +1624,7 @@
             </a:ln>
             <a:extLst>
               <a:ext uri="{91240B29-F687-4f45-9708-019B960494DF}">
-                <a14:hiddenLine xmlns:a14="http://schemas.microsoft.com/office/drawing/2010/main" xmlns="" w="9525">
+                <a14:hiddenLine xmlns="" xmlns:a14="http://schemas.microsoft.com/office/drawing/2010/main" w="9525">
                   <a:solidFill>
                     <a:srgbClr val="000000"/>
                   </a:solidFill>
@@ -1714,7 +1714,7 @@
             </a:ln>
             <a:extLst>
               <a:ext uri="{91240B29-F687-4f45-9708-019B960494DF}">
-                <a14:hiddenLine xmlns:a14="http://schemas.microsoft.com/office/drawing/2010/main" xmlns="" w="9525">
+                <a14:hiddenLine xmlns="" xmlns:a14="http://schemas.microsoft.com/office/drawing/2010/main" w="9525">
                   <a:solidFill>
                     <a:srgbClr val="000000"/>
                   </a:solidFill>
@@ -1770,7 +1770,7 @@
             </a:ln>
             <a:extLst>
               <a:ext uri="{91240B29-F687-4f45-9708-019B960494DF}">
-                <a14:hiddenLine xmlns:a14="http://schemas.microsoft.com/office/drawing/2010/main" xmlns="" w="9525">
+                <a14:hiddenLine xmlns="" xmlns:a14="http://schemas.microsoft.com/office/drawing/2010/main" w="9525">
                   <a:solidFill>
                     <a:srgbClr val="000000"/>
                   </a:solidFill>
@@ -1860,7 +1860,7 @@
             </a:ln>
             <a:extLst>
               <a:ext uri="{91240B29-F687-4f45-9708-019B960494DF}">
-                <a14:hiddenLine xmlns:a14="http://schemas.microsoft.com/office/drawing/2010/main" xmlns="" w="9525">
+                <a14:hiddenLine xmlns="" xmlns:a14="http://schemas.microsoft.com/office/drawing/2010/main" w="9525">
                   <a:solidFill>
                     <a:srgbClr val="000000"/>
                   </a:solidFill>
@@ -1916,7 +1916,7 @@
             </a:ln>
             <a:extLst>
               <a:ext uri="{91240B29-F687-4f45-9708-019B960494DF}">
-                <a14:hiddenLine xmlns:a14="http://schemas.microsoft.com/office/drawing/2010/main" xmlns="" w="9525">
+                <a14:hiddenLine xmlns="" xmlns:a14="http://schemas.microsoft.com/office/drawing/2010/main" w="9525">
                   <a:solidFill>
                     <a:srgbClr val="000000"/>
                   </a:solidFill>
@@ -2006,7 +2006,7 @@
             </a:ln>
             <a:extLst>
               <a:ext uri="{91240B29-F687-4f45-9708-019B960494DF}">
-                <a14:hiddenLine xmlns:a14="http://schemas.microsoft.com/office/drawing/2010/main" xmlns="" w="9525">
+                <a14:hiddenLine xmlns="" xmlns:a14="http://schemas.microsoft.com/office/drawing/2010/main" w="9525">
                   <a:solidFill>
                     <a:srgbClr val="000000"/>
                   </a:solidFill>
@@ -2074,7 +2074,7 @@
             </a:ln>
             <a:extLst>
               <a:ext uri="{91240B29-F687-4f45-9708-019B960494DF}">
-                <a14:hiddenLine xmlns:a14="http://schemas.microsoft.com/office/drawing/2010/main" xmlns="" w="9525">
+                <a14:hiddenLine xmlns="" xmlns:a14="http://schemas.microsoft.com/office/drawing/2010/main" w="9525">
                   <a:solidFill>
                     <a:srgbClr val="000000"/>
                   </a:solidFill>
@@ -2164,7 +2164,7 @@
             </a:ln>
             <a:extLst>
               <a:ext uri="{91240B29-F687-4f45-9708-019B960494DF}">
-                <a14:hiddenLine xmlns:a14="http://schemas.microsoft.com/office/drawing/2010/main" xmlns="" w="9525">
+                <a14:hiddenLine xmlns="" xmlns:a14="http://schemas.microsoft.com/office/drawing/2010/main" w="9525">
                   <a:solidFill>
                     <a:srgbClr val="000000"/>
                   </a:solidFill>
@@ -2232,7 +2232,7 @@
             </a:ln>
             <a:extLst>
               <a:ext uri="{91240B29-F687-4f45-9708-019B960494DF}">
-                <a14:hiddenLine xmlns:a14="http://schemas.microsoft.com/office/drawing/2010/main" xmlns="" w="9525">
+                <a14:hiddenLine xmlns="" xmlns:a14="http://schemas.microsoft.com/office/drawing/2010/main" w="9525">
                   <a:solidFill>
                     <a:srgbClr val="000000"/>
                   </a:solidFill>
@@ -2322,7 +2322,7 @@
             </a:ln>
             <a:extLst>
               <a:ext uri="{91240B29-F687-4f45-9708-019B960494DF}">
-                <a14:hiddenLine xmlns:a14="http://schemas.microsoft.com/office/drawing/2010/main" xmlns="" w="9525">
+                <a14:hiddenLine xmlns="" xmlns:a14="http://schemas.microsoft.com/office/drawing/2010/main" w="9525">
                   <a:solidFill>
                     <a:srgbClr val="000000"/>
                   </a:solidFill>
@@ -2356,7 +2356,7 @@
             </a:ln>
             <a:extLst>
               <a:ext uri="{91240B29-F687-4f45-9708-019B960494DF}">
-                <a14:hiddenLine xmlns:a14="http://schemas.microsoft.com/office/drawing/2010/main" xmlns="" w="9525">
+                <a14:hiddenLine xmlns="" xmlns:a14="http://schemas.microsoft.com/office/drawing/2010/main" w="9525">
                   <a:solidFill>
                     <a:srgbClr val="000000"/>
                   </a:solidFill>
@@ -2446,7 +2446,7 @@
             </a:ln>
             <a:extLst>
               <a:ext uri="{91240B29-F687-4f45-9708-019B960494DF}">
-                <a14:hiddenLine xmlns:a14="http://schemas.microsoft.com/office/drawing/2010/main" xmlns="" w="9525">
+                <a14:hiddenLine xmlns="" xmlns:a14="http://schemas.microsoft.com/office/drawing/2010/main" w="9525">
                   <a:solidFill>
                     <a:srgbClr val="000000"/>
                   </a:solidFill>
@@ -2508,7 +2508,7 @@
             </a:ln>
             <a:extLst>
               <a:ext uri="{91240B29-F687-4f45-9708-019B960494DF}">
-                <a14:hiddenLine xmlns:a14="http://schemas.microsoft.com/office/drawing/2010/main" xmlns="" w="9525">
+                <a14:hiddenLine xmlns="" xmlns:a14="http://schemas.microsoft.com/office/drawing/2010/main" w="9525">
                   <a:solidFill>
                     <a:srgbClr val="000000"/>
                   </a:solidFill>
@@ -2570,7 +2570,7 @@
             </a:ln>
             <a:extLst>
               <a:ext uri="{91240B29-F687-4f45-9708-019B960494DF}">
-                <a14:hiddenLine xmlns:a14="http://schemas.microsoft.com/office/drawing/2010/main" xmlns="" w="9525">
+                <a14:hiddenLine xmlns="" xmlns:a14="http://schemas.microsoft.com/office/drawing/2010/main" w="9525">
                   <a:solidFill>
                     <a:srgbClr val="000000"/>
                   </a:solidFill>
@@ -2660,7 +2660,7 @@
             </a:ln>
             <a:extLst>
               <a:ext uri="{91240B29-F687-4f45-9708-019B960494DF}">
-                <a14:hiddenLine xmlns:a14="http://schemas.microsoft.com/office/drawing/2010/main" xmlns="" w="9525">
+                <a14:hiddenLine xmlns="" xmlns:a14="http://schemas.microsoft.com/office/drawing/2010/main" w="9525">
                   <a:solidFill>
                     <a:srgbClr val="000000"/>
                   </a:solidFill>
@@ -2728,7 +2728,7 @@
             </a:ln>
             <a:extLst>
               <a:ext uri="{91240B29-F687-4f45-9708-019B960494DF}">
-                <a14:hiddenLine xmlns:a14="http://schemas.microsoft.com/office/drawing/2010/main" xmlns="" w="9525">
+                <a14:hiddenLine xmlns="" xmlns:a14="http://schemas.microsoft.com/office/drawing/2010/main" w="9525">
                   <a:solidFill>
                     <a:srgbClr val="000000"/>
                   </a:solidFill>
@@ -2790,7 +2790,7 @@
             </a:ln>
             <a:extLst>
               <a:ext uri="{91240B29-F687-4f45-9708-019B960494DF}">
-                <a14:hiddenLine xmlns:a14="http://schemas.microsoft.com/office/drawing/2010/main" xmlns="" w="9525">
+                <a14:hiddenLine xmlns="" xmlns:a14="http://schemas.microsoft.com/office/drawing/2010/main" w="9525">
                   <a:solidFill>
                     <a:srgbClr val="000000"/>
                   </a:solidFill>
@@ -2880,7 +2880,7 @@
             </a:ln>
             <a:extLst>
               <a:ext uri="{91240B29-F687-4f45-9708-019B960494DF}">
-                <a14:hiddenLine xmlns:a14="http://schemas.microsoft.com/office/drawing/2010/main" xmlns="" w="9525">
+                <a14:hiddenLine xmlns="" xmlns:a14="http://schemas.microsoft.com/office/drawing/2010/main" w="9525">
                   <a:solidFill>
                     <a:srgbClr val="000000"/>
                   </a:solidFill>
@@ -2942,7 +2942,7 @@
             </a:ln>
             <a:extLst>
               <a:ext uri="{91240B29-F687-4f45-9708-019B960494DF}">
-                <a14:hiddenLine xmlns:a14="http://schemas.microsoft.com/office/drawing/2010/main" xmlns="" w="9525">
+                <a14:hiddenLine xmlns="" xmlns:a14="http://schemas.microsoft.com/office/drawing/2010/main" w="9525">
                   <a:solidFill>
                     <a:srgbClr val="000000"/>
                   </a:solidFill>
@@ -3032,7 +3032,7 @@
             </a:ln>
             <a:extLst>
               <a:ext uri="{91240B29-F687-4f45-9708-019B960494DF}">
-                <a14:hiddenLine xmlns:a14="http://schemas.microsoft.com/office/drawing/2010/main" xmlns="" w="9525">
+                <a14:hiddenLine xmlns="" xmlns:a14="http://schemas.microsoft.com/office/drawing/2010/main" w="9525">
                   <a:solidFill>
                     <a:srgbClr val="000000"/>
                   </a:solidFill>
@@ -3094,7 +3094,7 @@
             </a:ln>
             <a:extLst>
               <a:ext uri="{91240B29-F687-4f45-9708-019B960494DF}">
-                <a14:hiddenLine xmlns:a14="http://schemas.microsoft.com/office/drawing/2010/main" xmlns="" w="9525">
+                <a14:hiddenLine xmlns="" xmlns:a14="http://schemas.microsoft.com/office/drawing/2010/main" w="9525">
                   <a:solidFill>
                     <a:srgbClr val="000000"/>
                   </a:solidFill>
@@ -3184,7 +3184,7 @@
             </a:ln>
             <a:extLst>
               <a:ext uri="{91240B29-F687-4f45-9708-019B960494DF}">
-                <a14:hiddenLine xmlns:a14="http://schemas.microsoft.com/office/drawing/2010/main" xmlns="" w="9525">
+                <a14:hiddenLine xmlns="" xmlns:a14="http://schemas.microsoft.com/office/drawing/2010/main" w="9525">
                   <a:solidFill>
                     <a:srgbClr val="000000"/>
                   </a:solidFill>
@@ -3218,7 +3218,7 @@
             </a:ln>
             <a:extLst>
               <a:ext uri="{91240B29-F687-4f45-9708-019B960494DF}">
-                <a14:hiddenLine xmlns:a14="http://schemas.microsoft.com/office/drawing/2010/main" xmlns="" w="9525">
+                <a14:hiddenLine xmlns="" xmlns:a14="http://schemas.microsoft.com/office/drawing/2010/main" w="9525">
                   <a:solidFill>
                     <a:srgbClr val="000000"/>
                   </a:solidFill>
@@ -3283,7 +3283,7 @@
             </a:ln>
             <a:extLst>
               <a:ext uri="{91240B29-F687-4f45-9708-019B960494DF}">
-                <a14:hiddenLine xmlns:a14="http://schemas.microsoft.com/office/drawing/2010/main" xmlns="" w="9525">
+                <a14:hiddenLine xmlns="" xmlns:a14="http://schemas.microsoft.com/office/drawing/2010/main" w="9525">
                   <a:solidFill>
                     <a:srgbClr val="000000"/>
                   </a:solidFill>
@@ -3373,7 +3373,7 @@
             </a:ln>
             <a:extLst>
               <a:ext uri="{91240B29-F687-4f45-9708-019B960494DF}">
-                <a14:hiddenLine xmlns:a14="http://schemas.microsoft.com/office/drawing/2010/main" xmlns="" w="9525">
+                <a14:hiddenLine xmlns="" xmlns:a14="http://schemas.microsoft.com/office/drawing/2010/main" w="9525">
                   <a:solidFill>
                     <a:srgbClr val="000000"/>
                   </a:solidFill>
@@ -3435,7 +3435,7 @@
             </a:ln>
             <a:extLst>
               <a:ext uri="{91240B29-F687-4f45-9708-019B960494DF}">
-                <a14:hiddenLine xmlns:a14="http://schemas.microsoft.com/office/drawing/2010/main" xmlns="" w="9525">
+                <a14:hiddenLine xmlns="" xmlns:a14="http://schemas.microsoft.com/office/drawing/2010/main" w="9525">
                   <a:solidFill>
                     <a:srgbClr val="000000"/>
                   </a:solidFill>
@@ -3525,7 +3525,7 @@
             </a:ln>
             <a:extLst>
               <a:ext uri="{91240B29-F687-4f45-9708-019B960494DF}">
-                <a14:hiddenLine xmlns:a14="http://schemas.microsoft.com/office/drawing/2010/main" xmlns="" w="9525">
+                <a14:hiddenLine xmlns="" xmlns:a14="http://schemas.microsoft.com/office/drawing/2010/main" w="9525">
                   <a:solidFill>
                     <a:srgbClr val="000000"/>
                   </a:solidFill>
@@ -3615,7 +3615,7 @@
             </a:ln>
             <a:extLst>
               <a:ext uri="{91240B29-F687-4f45-9708-019B960494DF}">
-                <a14:hiddenLine xmlns:a14="http://schemas.microsoft.com/office/drawing/2010/main" xmlns="" w="9525">
+                <a14:hiddenLine xmlns="" xmlns:a14="http://schemas.microsoft.com/office/drawing/2010/main" w="9525">
                   <a:solidFill>
                     <a:srgbClr val="000000"/>
                   </a:solidFill>
@@ -3680,7 +3680,7 @@
             </a:ln>
             <a:extLst>
               <a:ext uri="{91240B29-F687-4f45-9708-019B960494DF}">
-                <a14:hiddenLine xmlns:a14="http://schemas.microsoft.com/office/drawing/2010/main" xmlns="" w="9525">
+                <a14:hiddenLine xmlns="" xmlns:a14="http://schemas.microsoft.com/office/drawing/2010/main" w="9525">
                   <a:solidFill>
                     <a:srgbClr val="000000"/>
                   </a:solidFill>
@@ -3742,7 +3742,7 @@
             </a:ln>
             <a:extLst>
               <a:ext uri="{91240B29-F687-4f45-9708-019B960494DF}">
-                <a14:hiddenLine xmlns:a14="http://schemas.microsoft.com/office/drawing/2010/main" xmlns="" w="9525">
+                <a14:hiddenLine xmlns="" xmlns:a14="http://schemas.microsoft.com/office/drawing/2010/main" w="9525">
                   <a:solidFill>
                     <a:srgbClr val="000000"/>
                   </a:solidFill>
@@ -3832,7 +3832,7 @@
             </a:ln>
             <a:extLst>
               <a:ext uri="{91240B29-F687-4f45-9708-019B960494DF}">
-                <a14:hiddenLine xmlns:a14="http://schemas.microsoft.com/office/drawing/2010/main" xmlns="" w="9525">
+                <a14:hiddenLine xmlns="" xmlns:a14="http://schemas.microsoft.com/office/drawing/2010/main" w="9525">
                   <a:solidFill>
                     <a:srgbClr val="000000"/>
                   </a:solidFill>
@@ -3922,7 +3922,7 @@
             </a:ln>
             <a:extLst>
               <a:ext uri="{91240B29-F687-4f45-9708-019B960494DF}">
-                <a14:hiddenLine xmlns:a14="http://schemas.microsoft.com/office/drawing/2010/main" xmlns="" w="9525">
+                <a14:hiddenLine xmlns="" xmlns:a14="http://schemas.microsoft.com/office/drawing/2010/main" w="9525">
                   <a:solidFill>
                     <a:srgbClr val="000000"/>
                   </a:solidFill>
@@ -3984,7 +3984,7 @@
             </a:ln>
             <a:extLst>
               <a:ext uri="{91240B29-F687-4f45-9708-019B960494DF}">
-                <a14:hiddenLine xmlns:a14="http://schemas.microsoft.com/office/drawing/2010/main" xmlns="" w="9525">
+                <a14:hiddenLine xmlns="" xmlns:a14="http://schemas.microsoft.com/office/drawing/2010/main" w="9525">
                   <a:solidFill>
                     <a:srgbClr val="000000"/>
                   </a:solidFill>
@@ -4104,7 +4104,7 @@
             </a:ln>
             <a:extLst>
               <a:ext uri="{91240B29-F687-4f45-9708-019B960494DF}">
-                <a14:hiddenLine xmlns:a14="http://schemas.microsoft.com/office/drawing/2010/main" xmlns="" w="9525">
+                <a14:hiddenLine xmlns="" xmlns:a14="http://schemas.microsoft.com/office/drawing/2010/main" w="9525">
                   <a:solidFill>
                     <a:srgbClr val="000000"/>
                   </a:solidFill>
@@ -4172,7 +4172,7 @@
             </a:ln>
             <a:extLst>
               <a:ext uri="{91240B29-F687-4f45-9708-019B960494DF}">
-                <a14:hiddenLine xmlns:a14="http://schemas.microsoft.com/office/drawing/2010/main" xmlns="" w="9525">
+                <a14:hiddenLine xmlns="" xmlns:a14="http://schemas.microsoft.com/office/drawing/2010/main" w="9525">
                   <a:solidFill>
                     <a:srgbClr val="000000"/>
                   </a:solidFill>
@@ -4262,7 +4262,7 @@
             </a:ln>
             <a:extLst>
               <a:ext uri="{91240B29-F687-4f45-9708-019B960494DF}">
-                <a14:hiddenLine xmlns:a14="http://schemas.microsoft.com/office/drawing/2010/main" xmlns="" w="9525">
+                <a14:hiddenLine xmlns="" xmlns:a14="http://schemas.microsoft.com/office/drawing/2010/main" w="9525">
                   <a:solidFill>
                     <a:srgbClr val="000000"/>
                   </a:solidFill>
@@ -4402,7 +4402,7 @@
           <a:p>
             <a:fld id="{48A87A34-81AB-432B-8DAE-1953F412C126}" type="datetimeFigureOut">
               <a:rPr lang="en-US" dirty="0"/>
-              <a:t>6/13/2023</a:t>
+              <a:t>6/15/2023</a:t>
             </a:fld>
             <a:endParaRPr lang="en-US" dirty="0"/>
           </a:p>
@@ -4664,7 +4664,7 @@
           <a:p>
             <a:fld id="{48A87A34-81AB-432B-8DAE-1953F412C126}" type="datetimeFigureOut">
               <a:rPr lang="en-US" dirty="0"/>
-              <a:t>6/13/2023</a:t>
+              <a:t>6/15/2023</a:t>
             </a:fld>
             <a:endParaRPr lang="en-US" dirty="0"/>
           </a:p>
@@ -4855,7 +4855,7 @@
           <a:p>
             <a:fld id="{48A87A34-81AB-432B-8DAE-1953F412C126}" type="datetimeFigureOut">
               <a:rPr lang="en-US" dirty="0"/>
-              <a:t>6/13/2023</a:t>
+              <a:t>6/15/2023</a:t>
             </a:fld>
             <a:endParaRPr lang="en-US" dirty="0"/>
           </a:p>
@@ -5113,7 +5113,7 @@
           <a:p>
             <a:fld id="{48A87A34-81AB-432B-8DAE-1953F412C126}" type="datetimeFigureOut">
               <a:rPr lang="en-US" dirty="0"/>
-              <a:t>6/13/2023</a:t>
+              <a:t>6/15/2023</a:t>
             </a:fld>
             <a:endParaRPr lang="en-US" dirty="0"/>
           </a:p>
@@ -5542,7 +5542,7 @@
           <a:p>
             <a:fld id="{48A87A34-81AB-432B-8DAE-1953F412C126}" type="datetimeFigureOut">
               <a:rPr lang="en-US" dirty="0"/>
-              <a:t>6/13/2023</a:t>
+              <a:t>6/15/2023</a:t>
             </a:fld>
             <a:endParaRPr lang="en-US" dirty="0"/>
           </a:p>
@@ -6083,7 +6083,7 @@
           <a:p>
             <a:fld id="{48A87A34-81AB-432B-8DAE-1953F412C126}" type="datetimeFigureOut">
               <a:rPr lang="en-US" dirty="0"/>
-              <a:t>6/13/2023</a:t>
+              <a:t>6/15/2023</a:t>
             </a:fld>
             <a:endParaRPr lang="en-US" dirty="0"/>
           </a:p>
@@ -6798,7 +6798,7 @@
           <a:p>
             <a:fld id="{48A87A34-81AB-432B-8DAE-1953F412C126}" type="datetimeFigureOut">
               <a:rPr lang="en-US" dirty="0"/>
-              <a:t>6/13/2023</a:t>
+              <a:t>6/15/2023</a:t>
             </a:fld>
             <a:endParaRPr lang="en-US" dirty="0"/>
           </a:p>
@@ -6963,7 +6963,7 @@
           <a:p>
             <a:fld id="{48A87A34-81AB-432B-8DAE-1953F412C126}" type="datetimeFigureOut">
               <a:rPr lang="en-US" dirty="0"/>
-              <a:t>6/13/2023</a:t>
+              <a:t>6/15/2023</a:t>
             </a:fld>
             <a:endParaRPr lang="en-US" dirty="0"/>
           </a:p>
@@ -7138,7 +7138,7 @@
           <a:p>
             <a:fld id="{48A87A34-81AB-432B-8DAE-1953F412C126}" type="datetimeFigureOut">
               <a:rPr lang="en-US" dirty="0"/>
-              <a:t>6/13/2023</a:t>
+              <a:t>6/15/2023</a:t>
             </a:fld>
             <a:endParaRPr lang="en-US" dirty="0"/>
           </a:p>
@@ -7303,7 +7303,7 @@
           <a:p>
             <a:fld id="{48A87A34-81AB-432B-8DAE-1953F412C126}" type="datetimeFigureOut">
               <a:rPr lang="en-US" dirty="0"/>
-              <a:t>6/13/2023</a:t>
+              <a:t>6/15/2023</a:t>
             </a:fld>
             <a:endParaRPr lang="en-US" dirty="0"/>
           </a:p>
@@ -7548,7 +7548,7 @@
           <a:p>
             <a:fld id="{48A87A34-81AB-432B-8DAE-1953F412C126}" type="datetimeFigureOut">
               <a:rPr lang="en-US" dirty="0"/>
-              <a:t>6/13/2023</a:t>
+              <a:t>6/15/2023</a:t>
             </a:fld>
             <a:endParaRPr lang="en-US" dirty="0"/>
           </a:p>
@@ -7775,7 +7775,7 @@
           <a:p>
             <a:fld id="{48A87A34-81AB-432B-8DAE-1953F412C126}" type="datetimeFigureOut">
               <a:rPr lang="en-US" dirty="0"/>
-              <a:t>6/13/2023</a:t>
+              <a:t>6/15/2023</a:t>
             </a:fld>
             <a:endParaRPr lang="en-US" dirty="0"/>
           </a:p>
@@ -8151,7 +8151,7 @@
           <a:p>
             <a:fld id="{48A87A34-81AB-432B-8DAE-1953F412C126}" type="datetimeFigureOut">
               <a:rPr lang="en-US" dirty="0"/>
-              <a:t>6/13/2023</a:t>
+              <a:t>6/15/2023</a:t>
             </a:fld>
             <a:endParaRPr lang="en-US" dirty="0"/>
           </a:p>
@@ -8264,7 +8264,7 @@
           <a:p>
             <a:fld id="{48A87A34-81AB-432B-8DAE-1953F412C126}" type="datetimeFigureOut">
               <a:rPr lang="en-US" dirty="0"/>
-              <a:t>6/13/2023</a:t>
+              <a:t>6/15/2023</a:t>
             </a:fld>
             <a:endParaRPr lang="en-US" dirty="0"/>
           </a:p>
@@ -8354,7 +8354,7 @@
           <a:p>
             <a:fld id="{48A87A34-81AB-432B-8DAE-1953F412C126}" type="datetimeFigureOut">
               <a:rPr lang="en-US" dirty="0"/>
-              <a:t>6/13/2023</a:t>
+              <a:t>6/15/2023</a:t>
             </a:fld>
             <a:endParaRPr lang="en-US" dirty="0"/>
           </a:p>
@@ -8598,7 +8598,7 @@
           <a:p>
             <a:fld id="{48A87A34-81AB-432B-8DAE-1953F412C126}" type="datetimeFigureOut">
               <a:rPr lang="en-US" dirty="0"/>
-              <a:t>6/13/2023</a:t>
+              <a:t>6/15/2023</a:t>
             </a:fld>
             <a:endParaRPr lang="en-US" dirty="0"/>
           </a:p>
@@ -8873,7 +8873,7 @@
           <a:p>
             <a:fld id="{48A87A34-81AB-432B-8DAE-1953F412C126}" type="datetimeFigureOut">
               <a:rPr lang="en-US" dirty="0"/>
-              <a:t>6/13/2023</a:t>
+              <a:t>6/15/2023</a:t>
             </a:fld>
             <a:endParaRPr lang="en-US" dirty="0"/>
           </a:p>
@@ -9006,7 +9006,7 @@
           <a:noFill/>
           <a:extLst>
             <a:ext uri="{909E8E84-426E-40dd-AFC4-6F175D3DCCD1}">
-              <a14:hiddenFill xmlns:a14="http://schemas.microsoft.com/office/drawing/2010/main" xmlns="">
+              <a14:hiddenFill xmlns="" xmlns:a14="http://schemas.microsoft.com/office/drawing/2010/main">
                 <a:solidFill>
                   <a:srgbClr val="FFFFFF"/>
                 </a:solidFill>
@@ -9080,7 +9080,7 @@
               </a:ln>
               <a:extLst>
                 <a:ext uri="{91240B29-F687-4f45-9708-019B960494DF}">
-                  <a14:hiddenLine xmlns:a14="http://schemas.microsoft.com/office/drawing/2010/main" xmlns="" w="9525">
+                  <a14:hiddenLine xmlns="" xmlns:a14="http://schemas.microsoft.com/office/drawing/2010/main" w="9525">
                     <a:solidFill>
                       <a:srgbClr val="000000"/>
                     </a:solidFill>
@@ -9170,7 +9170,7 @@
               </a:ln>
               <a:extLst>
                 <a:ext uri="{91240B29-F687-4f45-9708-019B960494DF}">
-                  <a14:hiddenLine xmlns:a14="http://schemas.microsoft.com/office/drawing/2010/main" xmlns="" w="9525">
+                  <a14:hiddenLine xmlns="" xmlns:a14="http://schemas.microsoft.com/office/drawing/2010/main" w="9525">
                     <a:solidFill>
                       <a:srgbClr val="000000"/>
                     </a:solidFill>
@@ -9260,7 +9260,7 @@
               </a:ln>
               <a:extLst>
                 <a:ext uri="{91240B29-F687-4f45-9708-019B960494DF}">
-                  <a14:hiddenLine xmlns:a14="http://schemas.microsoft.com/office/drawing/2010/main" xmlns="" w="9525">
+                  <a14:hiddenLine xmlns="" xmlns:a14="http://schemas.microsoft.com/office/drawing/2010/main" w="9525">
                     <a:solidFill>
                       <a:srgbClr val="000000"/>
                     </a:solidFill>
@@ -9322,7 +9322,7 @@
               </a:ln>
               <a:extLst>
                 <a:ext uri="{91240B29-F687-4f45-9708-019B960494DF}">
-                  <a14:hiddenLine xmlns:a14="http://schemas.microsoft.com/office/drawing/2010/main" xmlns="" w="9525">
+                  <a14:hiddenLine xmlns="" xmlns:a14="http://schemas.microsoft.com/office/drawing/2010/main" w="9525">
                     <a:solidFill>
                       <a:srgbClr val="000000"/>
                     </a:solidFill>
@@ -9412,7 +9412,7 @@
               </a:ln>
               <a:extLst>
                 <a:ext uri="{91240B29-F687-4f45-9708-019B960494DF}">
-                  <a14:hiddenLine xmlns:a14="http://schemas.microsoft.com/office/drawing/2010/main" xmlns="" w="9525">
+                  <a14:hiddenLine xmlns="" xmlns:a14="http://schemas.microsoft.com/office/drawing/2010/main" w="9525">
                     <a:solidFill>
                       <a:srgbClr val="000000"/>
                     </a:solidFill>
@@ -9474,7 +9474,7 @@
               </a:ln>
               <a:extLst>
                 <a:ext uri="{91240B29-F687-4f45-9708-019B960494DF}">
-                  <a14:hiddenLine xmlns:a14="http://schemas.microsoft.com/office/drawing/2010/main" xmlns="" w="9525">
+                  <a14:hiddenLine xmlns="" xmlns:a14="http://schemas.microsoft.com/office/drawing/2010/main" w="9525">
                     <a:solidFill>
                       <a:srgbClr val="000000"/>
                     </a:solidFill>
@@ -9536,7 +9536,7 @@
               </a:ln>
               <a:extLst>
                 <a:ext uri="{91240B29-F687-4f45-9708-019B960494DF}">
-                  <a14:hiddenLine xmlns:a14="http://schemas.microsoft.com/office/drawing/2010/main" xmlns="" w="9525">
+                  <a14:hiddenLine xmlns="" xmlns:a14="http://schemas.microsoft.com/office/drawing/2010/main" w="9525">
                     <a:solidFill>
                       <a:srgbClr val="000000"/>
                     </a:solidFill>
@@ -9626,7 +9626,7 @@
               </a:ln>
               <a:extLst>
                 <a:ext uri="{91240B29-F687-4f45-9708-019B960494DF}">
-                  <a14:hiddenLine xmlns:a14="http://schemas.microsoft.com/office/drawing/2010/main" xmlns="" w="9525">
+                  <a14:hiddenLine xmlns="" xmlns:a14="http://schemas.microsoft.com/office/drawing/2010/main" w="9525">
                     <a:solidFill>
                       <a:srgbClr val="000000"/>
                     </a:solidFill>
@@ -9716,7 +9716,7 @@
               </a:ln>
               <a:extLst>
                 <a:ext uri="{91240B29-F687-4f45-9708-019B960494DF}">
-                  <a14:hiddenLine xmlns:a14="http://schemas.microsoft.com/office/drawing/2010/main" xmlns="" w="9525">
+                  <a14:hiddenLine xmlns="" xmlns:a14="http://schemas.microsoft.com/office/drawing/2010/main" w="9525">
                     <a:solidFill>
                       <a:srgbClr val="000000"/>
                     </a:solidFill>
@@ -9778,7 +9778,7 @@
               </a:ln>
               <a:extLst>
                 <a:ext uri="{91240B29-F687-4f45-9708-019B960494DF}">
-                  <a14:hiddenLine xmlns:a14="http://schemas.microsoft.com/office/drawing/2010/main" xmlns="" w="9525">
+                  <a14:hiddenLine xmlns="" xmlns:a14="http://schemas.microsoft.com/office/drawing/2010/main" w="9525">
                     <a:solidFill>
                       <a:srgbClr val="000000"/>
                     </a:solidFill>
@@ -9888,7 +9888,7 @@
               </a:ln>
               <a:extLst>
                 <a:ext uri="{91240B29-F687-4f45-9708-019B960494DF}">
-                  <a14:hiddenLine xmlns:a14="http://schemas.microsoft.com/office/drawing/2010/main" xmlns="" w="9525">
+                  <a14:hiddenLine xmlns="" xmlns:a14="http://schemas.microsoft.com/office/drawing/2010/main" w="9525">
                     <a:solidFill>
                       <a:srgbClr val="000000"/>
                     </a:solidFill>
@@ -9972,7 +9972,7 @@
               </a:ln>
               <a:extLst>
                 <a:ext uri="{91240B29-F687-4f45-9708-019B960494DF}">
-                  <a14:hiddenLine xmlns:a14="http://schemas.microsoft.com/office/drawing/2010/main" xmlns="" w="9525">
+                  <a14:hiddenLine xmlns="" xmlns:a14="http://schemas.microsoft.com/office/drawing/2010/main" w="9525">
                     <a:solidFill>
                       <a:srgbClr val="000000"/>
                     </a:solidFill>
@@ -10034,7 +10034,7 @@
               </a:ln>
               <a:extLst>
                 <a:ext uri="{91240B29-F687-4f45-9708-019B960494DF}">
-                  <a14:hiddenLine xmlns:a14="http://schemas.microsoft.com/office/drawing/2010/main" xmlns="" w="9525">
+                  <a14:hiddenLine xmlns="" xmlns:a14="http://schemas.microsoft.com/office/drawing/2010/main" w="9525">
                     <a:solidFill>
                       <a:srgbClr val="000000"/>
                     </a:solidFill>
@@ -10096,7 +10096,7 @@
               </a:ln>
               <a:extLst>
                 <a:ext uri="{91240B29-F687-4f45-9708-019B960494DF}">
-                  <a14:hiddenLine xmlns:a14="http://schemas.microsoft.com/office/drawing/2010/main" xmlns="" w="9525">
+                  <a14:hiddenLine xmlns="" xmlns:a14="http://schemas.microsoft.com/office/drawing/2010/main" w="9525">
                     <a:solidFill>
                       <a:srgbClr val="000000"/>
                     </a:solidFill>
@@ -10186,7 +10186,7 @@
               </a:ln>
               <a:extLst>
                 <a:ext uri="{91240B29-F687-4f45-9708-019B960494DF}">
-                  <a14:hiddenLine xmlns:a14="http://schemas.microsoft.com/office/drawing/2010/main" xmlns="" w="9525">
+                  <a14:hiddenLine xmlns="" xmlns:a14="http://schemas.microsoft.com/office/drawing/2010/main" w="9525">
                     <a:solidFill>
                       <a:srgbClr val="000000"/>
                     </a:solidFill>
@@ -10220,7 +10220,7 @@
               </a:ln>
               <a:extLst>
                 <a:ext uri="{91240B29-F687-4f45-9708-019B960494DF}">
-                  <a14:hiddenLine xmlns:a14="http://schemas.microsoft.com/office/drawing/2010/main" xmlns="" w="9525">
+                  <a14:hiddenLine xmlns="" xmlns:a14="http://schemas.microsoft.com/office/drawing/2010/main" w="9525">
                     <a:solidFill>
                       <a:srgbClr val="000000"/>
                     </a:solidFill>
@@ -10285,7 +10285,7 @@
               </a:ln>
               <a:extLst>
                 <a:ext uri="{91240B29-F687-4f45-9708-019B960494DF}">
-                  <a14:hiddenLine xmlns:a14="http://schemas.microsoft.com/office/drawing/2010/main" xmlns="" w="9525">
+                  <a14:hiddenLine xmlns="" xmlns:a14="http://schemas.microsoft.com/office/drawing/2010/main" w="9525">
                     <a:solidFill>
                       <a:srgbClr val="000000"/>
                     </a:solidFill>
@@ -10375,7 +10375,7 @@
               </a:ln>
               <a:extLst>
                 <a:ext uri="{91240B29-F687-4f45-9708-019B960494DF}">
-                  <a14:hiddenLine xmlns:a14="http://schemas.microsoft.com/office/drawing/2010/main" xmlns="" w="9525">
+                  <a14:hiddenLine xmlns="" xmlns:a14="http://schemas.microsoft.com/office/drawing/2010/main" w="9525">
                     <a:solidFill>
                       <a:srgbClr val="000000"/>
                     </a:solidFill>
@@ -10437,7 +10437,7 @@
               </a:ln>
               <a:extLst>
                 <a:ext uri="{91240B29-F687-4f45-9708-019B960494DF}">
-                  <a14:hiddenLine xmlns:a14="http://schemas.microsoft.com/office/drawing/2010/main" xmlns="" w="9525">
+                  <a14:hiddenLine xmlns="" xmlns:a14="http://schemas.microsoft.com/office/drawing/2010/main" w="9525">
                     <a:solidFill>
                       <a:srgbClr val="000000"/>
                     </a:solidFill>
@@ -10527,7 +10527,7 @@
               </a:ln>
               <a:extLst>
                 <a:ext uri="{91240B29-F687-4f45-9708-019B960494DF}">
-                  <a14:hiddenLine xmlns:a14="http://schemas.microsoft.com/office/drawing/2010/main" xmlns="" w="9525">
+                  <a14:hiddenLine xmlns="" xmlns:a14="http://schemas.microsoft.com/office/drawing/2010/main" w="9525">
                     <a:solidFill>
                       <a:srgbClr val="000000"/>
                     </a:solidFill>
@@ -10592,7 +10592,7 @@
               </a:ln>
               <a:extLst>
                 <a:ext uri="{91240B29-F687-4f45-9708-019B960494DF}">
-                  <a14:hiddenLine xmlns:a14="http://schemas.microsoft.com/office/drawing/2010/main" xmlns="" w="9525">
+                  <a14:hiddenLine xmlns="" xmlns:a14="http://schemas.microsoft.com/office/drawing/2010/main" w="9525">
                     <a:solidFill>
                       <a:srgbClr val="000000"/>
                     </a:solidFill>
@@ -10654,7 +10654,7 @@
               </a:ln>
               <a:extLst>
                 <a:ext uri="{91240B29-F687-4f45-9708-019B960494DF}">
-                  <a14:hiddenLine xmlns:a14="http://schemas.microsoft.com/office/drawing/2010/main" xmlns="" w="9525">
+                  <a14:hiddenLine xmlns="" xmlns:a14="http://schemas.microsoft.com/office/drawing/2010/main" w="9525">
                     <a:solidFill>
                       <a:srgbClr val="000000"/>
                     </a:solidFill>
@@ -10744,7 +10744,7 @@
               </a:ln>
               <a:extLst>
                 <a:ext uri="{91240B29-F687-4f45-9708-019B960494DF}">
-                  <a14:hiddenLine xmlns:a14="http://schemas.microsoft.com/office/drawing/2010/main" xmlns="" w="9525">
+                  <a14:hiddenLine xmlns="" xmlns:a14="http://schemas.microsoft.com/office/drawing/2010/main" w="9525">
                     <a:solidFill>
                       <a:srgbClr val="000000"/>
                     </a:solidFill>
@@ -10834,7 +10834,7 @@
               </a:ln>
               <a:extLst>
                 <a:ext uri="{91240B29-F687-4f45-9708-019B960494DF}">
-                  <a14:hiddenLine xmlns:a14="http://schemas.microsoft.com/office/drawing/2010/main" xmlns="" w="9525">
+                  <a14:hiddenLine xmlns="" xmlns:a14="http://schemas.microsoft.com/office/drawing/2010/main" w="9525">
                     <a:solidFill>
                       <a:srgbClr val="000000"/>
                     </a:solidFill>
@@ -10899,7 +10899,7 @@
               </a:ln>
               <a:extLst>
                 <a:ext uri="{91240B29-F687-4f45-9708-019B960494DF}">
-                  <a14:hiddenLine xmlns:a14="http://schemas.microsoft.com/office/drawing/2010/main" xmlns="" w="9525">
+                  <a14:hiddenLine xmlns="" xmlns:a14="http://schemas.microsoft.com/office/drawing/2010/main" w="9525">
                     <a:solidFill>
                       <a:srgbClr val="000000"/>
                     </a:solidFill>
@@ -11019,7 +11019,7 @@
               </a:ln>
               <a:extLst>
                 <a:ext uri="{91240B29-F687-4f45-9708-019B960494DF}">
-                  <a14:hiddenLine xmlns:a14="http://schemas.microsoft.com/office/drawing/2010/main" xmlns="" w="9525">
+                  <a14:hiddenLine xmlns="" xmlns:a14="http://schemas.microsoft.com/office/drawing/2010/main" w="9525">
                     <a:solidFill>
                       <a:srgbClr val="000000"/>
                     </a:solidFill>
@@ -11117,7 +11117,7 @@
               </a:ln>
               <a:extLst>
                 <a:ext uri="{91240B29-F687-4f45-9708-019B960494DF}">
-                  <a14:hiddenLine xmlns:a14="http://schemas.microsoft.com/office/drawing/2010/main" xmlns="" w="9525">
+                  <a14:hiddenLine xmlns="" xmlns:a14="http://schemas.microsoft.com/office/drawing/2010/main" w="9525">
                     <a:solidFill>
                       <a:srgbClr val="000000"/>
                     </a:solidFill>
@@ -11232,7 +11232,7 @@
               </a:ln>
               <a:extLst>
                 <a:ext uri="{91240B29-F687-4f45-9708-019B960494DF}">
-                  <a14:hiddenLine xmlns:a14="http://schemas.microsoft.com/office/drawing/2010/main" xmlns="" w="9525">
+                  <a14:hiddenLine xmlns="" xmlns:a14="http://schemas.microsoft.com/office/drawing/2010/main" w="9525">
                     <a:solidFill>
                       <a:srgbClr val="000000"/>
                     </a:solidFill>
@@ -11322,7 +11322,7 @@
               </a:ln>
               <a:extLst>
                 <a:ext uri="{91240B29-F687-4f45-9708-019B960494DF}">
-                  <a14:hiddenLine xmlns:a14="http://schemas.microsoft.com/office/drawing/2010/main" xmlns="" w="9525">
+                  <a14:hiddenLine xmlns="" xmlns:a14="http://schemas.microsoft.com/office/drawing/2010/main" w="9525">
                     <a:solidFill>
                       <a:srgbClr val="000000"/>
                     </a:solidFill>
@@ -11387,7 +11387,7 @@
               </a:ln>
               <a:extLst>
                 <a:ext uri="{91240B29-F687-4f45-9708-019B960494DF}">
-                  <a14:hiddenLine xmlns:a14="http://schemas.microsoft.com/office/drawing/2010/main" xmlns="" w="9525">
+                  <a14:hiddenLine xmlns="" xmlns:a14="http://schemas.microsoft.com/office/drawing/2010/main" w="9525">
                     <a:solidFill>
                       <a:srgbClr val="000000"/>
                     </a:solidFill>
@@ -11477,7 +11477,7 @@
               </a:ln>
               <a:extLst>
                 <a:ext uri="{91240B29-F687-4f45-9708-019B960494DF}">
-                  <a14:hiddenLine xmlns:a14="http://schemas.microsoft.com/office/drawing/2010/main" xmlns="" w="9525">
+                  <a14:hiddenLine xmlns="" xmlns:a14="http://schemas.microsoft.com/office/drawing/2010/main" w="9525">
                     <a:solidFill>
                       <a:srgbClr val="000000"/>
                     </a:solidFill>
@@ -11545,7 +11545,7 @@
               </a:ln>
               <a:extLst>
                 <a:ext uri="{91240B29-F687-4f45-9708-019B960494DF}">
-                  <a14:hiddenLine xmlns:a14="http://schemas.microsoft.com/office/drawing/2010/main" xmlns="" w="9525">
+                  <a14:hiddenLine xmlns="" xmlns:a14="http://schemas.microsoft.com/office/drawing/2010/main" w="9525">
                     <a:solidFill>
                       <a:srgbClr val="000000"/>
                     </a:solidFill>
@@ -11635,7 +11635,7 @@
               </a:ln>
               <a:extLst>
                 <a:ext uri="{91240B29-F687-4f45-9708-019B960494DF}">
-                  <a14:hiddenLine xmlns:a14="http://schemas.microsoft.com/office/drawing/2010/main" xmlns="" w="9525">
+                  <a14:hiddenLine xmlns="" xmlns:a14="http://schemas.microsoft.com/office/drawing/2010/main" w="9525">
                     <a:solidFill>
                       <a:srgbClr val="000000"/>
                     </a:solidFill>
@@ -11703,7 +11703,7 @@
               </a:ln>
               <a:extLst>
                 <a:ext uri="{91240B29-F687-4f45-9708-019B960494DF}">
-                  <a14:hiddenLine xmlns:a14="http://schemas.microsoft.com/office/drawing/2010/main" xmlns="" w="9525">
+                  <a14:hiddenLine xmlns="" xmlns:a14="http://schemas.microsoft.com/office/drawing/2010/main" w="9525">
                     <a:solidFill>
                       <a:srgbClr val="000000"/>
                     </a:solidFill>
@@ -11793,7 +11793,7 @@
               </a:ln>
               <a:extLst>
                 <a:ext uri="{91240B29-F687-4f45-9708-019B960494DF}">
-                  <a14:hiddenLine xmlns:a14="http://schemas.microsoft.com/office/drawing/2010/main" xmlns="" w="9525">
+                  <a14:hiddenLine xmlns="" xmlns:a14="http://schemas.microsoft.com/office/drawing/2010/main" w="9525">
                     <a:solidFill>
                       <a:srgbClr val="000000"/>
                     </a:solidFill>
@@ -11827,7 +11827,7 @@
               </a:ln>
               <a:extLst>
                 <a:ext uri="{91240B29-F687-4f45-9708-019B960494DF}">
-                  <a14:hiddenLine xmlns:a14="http://schemas.microsoft.com/office/drawing/2010/main" xmlns="" w="9525">
+                  <a14:hiddenLine xmlns="" xmlns:a14="http://schemas.microsoft.com/office/drawing/2010/main" w="9525">
                     <a:solidFill>
                       <a:srgbClr val="000000"/>
                     </a:solidFill>
@@ -11968,7 +11968,7 @@
             <a:fld id="{48A87A34-81AB-432B-8DAE-1953F412C126}" type="datetimeFigureOut">
               <a:rPr lang="en-US" dirty="0"/>
               <a:pPr/>
-              <a:t>6/13/2023</a:t>
+              <a:t>6/15/2023</a:t>
             </a:fld>
             <a:endParaRPr lang="en-US" dirty="0"/>
           </a:p>
@@ -13430,8 +13430,8 @@
         </p:nvSpPr>
         <p:spPr>
           <a:xfrm>
-            <a:off x="1216057" y="3396589"/>
-            <a:ext cx="9418615" cy="954107"/>
+            <a:off x="744718" y="3396589"/>
+            <a:ext cx="10246935" cy="400110"/>
           </a:xfrm>
           <a:prstGeom prst="rect">
             <a:avLst/>
@@ -13445,20 +13445,61 @@
           <a:lstStyle/>
           <a:p>
             <a:pPr algn="ctr"/>
-            <a:endParaRPr lang="en-US" sz="1400" dirty="0"/>
-          </a:p>
-          <a:p>
-            <a:pPr algn="ctr"/>
-            <a:r>
-              <a:rPr lang="en-US" sz="1400" dirty="0"/>
-              <a:t>My attempt to improve performance was based on various methods, and the root problem is the data - many Goodreads users rate books with three to five stars, creating instability in the data.</a:t>
-            </a:r>
-          </a:p>
-          <a:p>
-            <a:pPr algn="ctr"/>
-            <a:r>
-              <a:rPr lang="en-US" sz="1400" dirty="0"/>
-              <a:t>Based on the results above, the algorithm converges to about 0.53 to 0.58 percent precision.</a:t>
+            <a:r>
+              <a:rPr lang="en-US" sz="2000" b="1" dirty="0" smtClean="0">
+                <a:latin typeface="Calibri Light" panose="020F0302020204030204" pitchFamily="34" charset="0"/>
+                <a:cs typeface="Calibri Light" panose="020F0302020204030204" pitchFamily="34" charset="0"/>
+              </a:rPr>
+              <a:t>Based </a:t>
+            </a:r>
+            <a:r>
+              <a:rPr lang="en-US" sz="2000" b="1" dirty="0">
+                <a:latin typeface="Calibri Light" panose="020F0302020204030204" pitchFamily="34" charset="0"/>
+                <a:cs typeface="Calibri Light" panose="020F0302020204030204" pitchFamily="34" charset="0"/>
+              </a:rPr>
+              <a:t>on the results above, the algorithm converges to about </a:t>
+            </a:r>
+            <a:r>
+              <a:rPr lang="en-US" sz="2000" b="1" dirty="0">
+                <a:latin typeface="Calibri Light" panose="020F0302020204030204" pitchFamily="34" charset="0"/>
+                <a:cs typeface="Calibri Light" panose="020F0302020204030204" pitchFamily="34" charset="0"/>
+              </a:rPr>
+              <a:t>0.5</a:t>
+            </a:r>
+            <a:r>
+              <a:rPr lang="he-IL" sz="2000" b="1" dirty="0">
+                <a:latin typeface="Calibri Light" panose="020F0302020204030204" pitchFamily="34" charset="0"/>
+                <a:cs typeface="Calibri Light" panose="020F0302020204030204" pitchFamily="34" charset="0"/>
+              </a:rPr>
+              <a:t>2</a:t>
+            </a:r>
+            <a:r>
+              <a:rPr lang="en-US" sz="2000" b="1" dirty="0">
+                <a:latin typeface="Calibri Light" panose="020F0302020204030204" pitchFamily="34" charset="0"/>
+                <a:cs typeface="Calibri Light" panose="020F0302020204030204" pitchFamily="34" charset="0"/>
+              </a:rPr>
+              <a:t> to 0.5</a:t>
+            </a:r>
+            <a:r>
+              <a:rPr lang="he-IL" sz="2000" b="1" dirty="0">
+                <a:latin typeface="Calibri Light" panose="020F0302020204030204" pitchFamily="34" charset="0"/>
+                <a:cs typeface="Calibri Light" panose="020F0302020204030204" pitchFamily="34" charset="0"/>
+              </a:rPr>
+              <a:t>9</a:t>
+            </a:r>
+            <a:r>
+              <a:rPr lang="en-US" sz="2000" b="1" dirty="0">
+                <a:latin typeface="Calibri Light" panose="020F0302020204030204" pitchFamily="34" charset="0"/>
+                <a:cs typeface="Calibri Light" panose="020F0302020204030204" pitchFamily="34" charset="0"/>
+              </a:rPr>
+              <a:t> percent </a:t>
+            </a:r>
+            <a:r>
+              <a:rPr lang="en-US" sz="2000" b="1" dirty="0">
+                <a:latin typeface="Calibri Light" panose="020F0302020204030204" pitchFamily="34" charset="0"/>
+                <a:cs typeface="Calibri Light" panose="020F0302020204030204" pitchFamily="34" charset="0"/>
+              </a:rPr>
+              <a:t>precision.</a:t>
             </a:r>
           </a:p>
         </p:txBody>
